--- a/Algorithm/Misc Problems.pptx
+++ b/Algorithm/Misc Problems.pptx
@@ -8,6 +8,8 @@
     <p:sldId id="256" r:id="rId2"/>
     <p:sldId id="257" r:id="rId3"/>
     <p:sldId id="258" r:id="rId4"/>
+    <p:sldId id="259" r:id="rId5"/>
+    <p:sldId id="260" r:id="rId6"/>
   </p:sldIdLst>
   <p:sldSz cx="12192000" cy="6858000"/>
   <p:notesSz cx="6858000" cy="9144000"/>
@@ -3221,9 +3223,33 @@
           </a:p>
         </p:txBody>
       </p:sp>
-      <p:sp>
-        <p:nvSpPr>
-          <p:cNvPr id="3" name="Content Placeholder 2"/>
+      <p:pic>
+        <p:nvPicPr>
+          <p:cNvPr id="4" name="Picture 3"/>
+          <p:cNvPicPr>
+            <a:picLocks noChangeAspect="1"/>
+          </p:cNvPicPr>
+          <p:nvPr/>
+        </p:nvPicPr>
+        <p:blipFill>
+          <a:blip r:embed="rId2"/>
+          <a:stretch>
+            <a:fillRect/>
+          </a:stretch>
+        </p:blipFill>
+        <p:spPr>
+          <a:xfrm>
+            <a:off x="955531" y="365125"/>
+            <a:ext cx="10211233" cy="3133725"/>
+          </a:xfrm>
+          <a:prstGeom prst="rect">
+            <a:avLst/>
+          </a:prstGeom>
+        </p:spPr>
+      </p:pic>
+      <p:sp>
+        <p:nvSpPr>
+          <p:cNvPr id="6" name="Content Placeholder 5"/>
           <p:cNvSpPr>
             <a:spLocks noGrp="1"/>
           </p:cNvSpPr>
@@ -3244,6 +3270,173 @@
     <p:extLst>
       <p:ext uri="{BB962C8B-B14F-4D97-AF65-F5344CB8AC3E}">
         <p14:creationId xmlns:p14="http://schemas.microsoft.com/office/powerpoint/2010/main" val="75492109"/>
+      </p:ext>
+    </p:extLst>
+  </p:cSld>
+  <p:clrMapOvr>
+    <a:masterClrMapping/>
+  </p:clrMapOvr>
+</p:sld>
+</file>
+
+<file path=ppt/slides/slide4.xml><?xml version="1.0" encoding="utf-8"?>
+<p:sld xmlns:a="http://schemas.openxmlformats.org/drawingml/2006/main" xmlns:r="http://schemas.openxmlformats.org/officeDocument/2006/relationships" xmlns:p="http://schemas.openxmlformats.org/presentationml/2006/main">
+  <p:cSld>
+    <p:spTree>
+      <p:nvGrpSpPr>
+        <p:cNvPr id="1" name=""/>
+        <p:cNvGrpSpPr/>
+        <p:nvPr/>
+      </p:nvGrpSpPr>
+      <p:grpSpPr>
+        <a:xfrm>
+          <a:off x="0" y="0"/>
+          <a:ext cx="0" cy="0"/>
+          <a:chOff x="0" y="0"/>
+          <a:chExt cx="0" cy="0"/>
+        </a:xfrm>
+      </p:grpSpPr>
+      <p:sp>
+        <p:nvSpPr>
+          <p:cNvPr id="2" name="Title 1"/>
+          <p:cNvSpPr>
+            <a:spLocks noGrp="1"/>
+          </p:cNvSpPr>
+          <p:nvPr>
+            <p:ph type="title"/>
+          </p:nvPr>
+        </p:nvSpPr>
+        <p:spPr/>
+        <p:txBody>
+          <a:bodyPr/>
+          <a:lstStyle/>
+          <a:p>
+            <a:endParaRPr lang="en-US"/>
+          </a:p>
+        </p:txBody>
+      </p:sp>
+      <p:sp>
+        <p:nvSpPr>
+          <p:cNvPr id="3" name="Content Placeholder 2"/>
+          <p:cNvSpPr>
+            <a:spLocks noGrp="1"/>
+          </p:cNvSpPr>
+          <p:nvPr>
+            <p:ph idx="1"/>
+          </p:nvPr>
+        </p:nvSpPr>
+        <p:spPr/>
+        <p:txBody>
+          <a:bodyPr/>
+          <a:lstStyle/>
+          <a:p>
+            <a:endParaRPr lang="en-US"/>
+          </a:p>
+        </p:txBody>
+      </p:sp>
+      <p:pic>
+        <p:nvPicPr>
+          <p:cNvPr id="4" name="Content Placeholder 4"/>
+          <p:cNvPicPr>
+            <a:picLocks noChangeAspect="1"/>
+          </p:cNvPicPr>
+          <p:nvPr/>
+        </p:nvPicPr>
+        <p:blipFill>
+          <a:blip r:embed="rId2"/>
+          <a:stretch>
+            <a:fillRect/>
+          </a:stretch>
+        </p:blipFill>
+        <p:spPr>
+          <a:xfrm>
+            <a:off x="1315750" y="365125"/>
+            <a:ext cx="9075159" cy="5999163"/>
+          </a:xfrm>
+          <a:prstGeom prst="rect">
+            <a:avLst/>
+          </a:prstGeom>
+        </p:spPr>
+      </p:pic>
+    </p:spTree>
+    <p:extLst>
+      <p:ext uri="{BB962C8B-B14F-4D97-AF65-F5344CB8AC3E}">
+        <p14:creationId xmlns:p14="http://schemas.microsoft.com/office/powerpoint/2010/main" val="3167588465"/>
+      </p:ext>
+    </p:extLst>
+  </p:cSld>
+  <p:clrMapOvr>
+    <a:masterClrMapping/>
+  </p:clrMapOvr>
+</p:sld>
+</file>
+
+<file path=ppt/slides/slide5.xml><?xml version="1.0" encoding="utf-8"?>
+<p:sld xmlns:a="http://schemas.openxmlformats.org/drawingml/2006/main" xmlns:r="http://schemas.openxmlformats.org/officeDocument/2006/relationships" xmlns:p="http://schemas.openxmlformats.org/presentationml/2006/main">
+  <p:cSld>
+    <p:spTree>
+      <p:nvGrpSpPr>
+        <p:cNvPr id="1" name=""/>
+        <p:cNvGrpSpPr/>
+        <p:nvPr/>
+      </p:nvGrpSpPr>
+      <p:grpSpPr>
+        <a:xfrm>
+          <a:off x="0" y="0"/>
+          <a:ext cx="0" cy="0"/>
+          <a:chOff x="0" y="0"/>
+          <a:chExt cx="0" cy="0"/>
+        </a:xfrm>
+      </p:grpSpPr>
+      <p:sp>
+        <p:nvSpPr>
+          <p:cNvPr id="2" name="Title 1"/>
+          <p:cNvSpPr>
+            <a:spLocks noGrp="1"/>
+          </p:cNvSpPr>
+          <p:nvPr>
+            <p:ph type="title"/>
+          </p:nvPr>
+        </p:nvSpPr>
+        <p:spPr/>
+        <p:txBody>
+          <a:bodyPr/>
+          <a:lstStyle/>
+          <a:p>
+            <a:endParaRPr lang="en-US"/>
+          </a:p>
+        </p:txBody>
+      </p:sp>
+      <p:pic>
+        <p:nvPicPr>
+          <p:cNvPr id="4" name="Content Placeholder 3"/>
+          <p:cNvPicPr>
+            <a:picLocks noGrp="1" noChangeAspect="1"/>
+          </p:cNvPicPr>
+          <p:nvPr>
+            <p:ph idx="1"/>
+          </p:nvPr>
+        </p:nvPicPr>
+        <p:blipFill>
+          <a:blip r:embed="rId2"/>
+          <a:stretch>
+            <a:fillRect/>
+          </a:stretch>
+        </p:blipFill>
+        <p:spPr>
+          <a:xfrm>
+            <a:off x="424363" y="484910"/>
+            <a:ext cx="11343273" cy="5433074"/>
+          </a:xfrm>
+          <a:prstGeom prst="rect">
+            <a:avLst/>
+          </a:prstGeom>
+        </p:spPr>
+      </p:pic>
+    </p:spTree>
+    <p:extLst>
+      <p:ext uri="{BB962C8B-B14F-4D97-AF65-F5344CB8AC3E}">
+        <p14:creationId xmlns:p14="http://schemas.microsoft.com/office/powerpoint/2010/main" val="2598680584"/>
       </p:ext>
     </p:extLst>
   </p:cSld>
